--- a/문서/창귀야 방향성 및 협업 구조.pptx
+++ b/문서/창귀야 방향성 및 협업 구조.pptx
@@ -5,7 +5,7 @@
     <p:sldMasterId id="2147483648" r:id="rId1"/>
   </p:sldMasterIdLst>
   <p:notesMasterIdLst>
-    <p:notesMasterId r:id="rId19"/>
+    <p:notesMasterId r:id="rId20"/>
   </p:notesMasterIdLst>
   <p:sldIdLst>
     <p:sldId id="256" r:id="rId2"/>
@@ -21,10 +21,11 @@
     <p:sldId id="261" r:id="rId12"/>
     <p:sldId id="263" r:id="rId13"/>
     <p:sldId id="264" r:id="rId14"/>
-    <p:sldId id="269" r:id="rId15"/>
-    <p:sldId id="272" r:id="rId16"/>
-    <p:sldId id="270" r:id="rId17"/>
-    <p:sldId id="271" r:id="rId18"/>
+    <p:sldId id="273" r:id="rId15"/>
+    <p:sldId id="269" r:id="rId16"/>
+    <p:sldId id="272" r:id="rId17"/>
+    <p:sldId id="270" r:id="rId18"/>
+    <p:sldId id="271" r:id="rId19"/>
   </p:sldIdLst>
   <p:sldSz cx="12192000" cy="6858000"/>
   <p:notesSz cx="6858000" cy="9144000"/>
@@ -213,7 +214,7 @@
           <a:p>
             <a:fld id="{1A92D4FD-279A-4337-9D36-A19F8B227F24}" type="datetimeFigureOut">
               <a:rPr lang="ko-KR" altLang="en-US" smtClean="0"/>
-              <a:t>2025-11-13</a:t>
+              <a:t>2025-11-23</a:t>
             </a:fld>
             <a:endParaRPr lang="ko-KR" altLang="en-US"/>
           </a:p>
@@ -806,7 +807,7 @@
     </p:spTree>
     <p:extLst>
       <p:ext uri="{BB962C8B-B14F-4D97-AF65-F5344CB8AC3E}">
-        <p14:creationId xmlns:p14="http://schemas.microsoft.com/office/powerpoint/2010/main" val="3288768056"/>
+        <p14:creationId xmlns:p14="http://schemas.microsoft.com/office/powerpoint/2010/main" val="3300916234"/>
       </p:ext>
     </p:extLst>
   </p:cSld>
@@ -882,6 +883,90 @@
             <a:fld id="{568A7BC9-DA85-4DFC-9C02-93469E4CF12C}" type="slidenum">
               <a:rPr lang="ko-KR" altLang="en-US" smtClean="0"/>
               <a:t>15</a:t>
+            </a:fld>
+            <a:endParaRPr lang="ko-KR" altLang="en-US"/>
+          </a:p>
+        </p:txBody>
+      </p:sp>
+    </p:spTree>
+    <p:extLst>
+      <p:ext uri="{BB962C8B-B14F-4D97-AF65-F5344CB8AC3E}">
+        <p14:creationId xmlns:p14="http://schemas.microsoft.com/office/powerpoint/2010/main" val="3288768056"/>
+      </p:ext>
+    </p:extLst>
+  </p:cSld>
+  <p:clrMapOvr>
+    <a:masterClrMapping/>
+  </p:clrMapOvr>
+</p:notes>
+</file>
+
+<file path=ppt/notesSlides/notesSlide6.xml><?xml version="1.0" encoding="utf-8"?>
+<p:notes xmlns:a="http://schemas.openxmlformats.org/drawingml/2006/main" xmlns:r="http://schemas.openxmlformats.org/officeDocument/2006/relationships" xmlns:p="http://schemas.openxmlformats.org/presentationml/2006/main">
+  <p:cSld>
+    <p:spTree>
+      <p:nvGrpSpPr>
+        <p:cNvPr id="1" name=""/>
+        <p:cNvGrpSpPr/>
+        <p:nvPr/>
+      </p:nvGrpSpPr>
+      <p:grpSpPr>
+        <a:xfrm>
+          <a:off x="0" y="0"/>
+          <a:ext cx="0" cy="0"/>
+          <a:chOff x="0" y="0"/>
+          <a:chExt cx="0" cy="0"/>
+        </a:xfrm>
+      </p:grpSpPr>
+      <p:sp>
+        <p:nvSpPr>
+          <p:cNvPr id="2" name="슬라이드 이미지 개체 틀 1"/>
+          <p:cNvSpPr>
+            <a:spLocks noGrp="1" noRot="1" noChangeAspect="1"/>
+          </p:cNvSpPr>
+          <p:nvPr>
+            <p:ph type="sldImg"/>
+          </p:nvPr>
+        </p:nvSpPr>
+        <p:spPr/>
+      </p:sp>
+      <p:sp>
+        <p:nvSpPr>
+          <p:cNvPr id="3" name="슬라이드 노트 개체 틀 2"/>
+          <p:cNvSpPr>
+            <a:spLocks noGrp="1"/>
+          </p:cNvSpPr>
+          <p:nvPr>
+            <p:ph type="body" idx="1"/>
+          </p:nvPr>
+        </p:nvSpPr>
+        <p:spPr/>
+        <p:txBody>
+          <a:bodyPr/>
+          <a:lstStyle/>
+          <a:p>
+            <a:endParaRPr lang="ko-KR" altLang="en-US"/>
+          </a:p>
+        </p:txBody>
+      </p:sp>
+      <p:sp>
+        <p:nvSpPr>
+          <p:cNvPr id="4" name="슬라이드 번호 개체 틀 3"/>
+          <p:cNvSpPr>
+            <a:spLocks noGrp="1"/>
+          </p:cNvSpPr>
+          <p:nvPr>
+            <p:ph type="sldNum" sz="quarter" idx="5"/>
+          </p:nvPr>
+        </p:nvSpPr>
+        <p:spPr/>
+        <p:txBody>
+          <a:bodyPr/>
+          <a:lstStyle/>
+          <a:p>
+            <a:fld id="{568A7BC9-DA85-4DFC-9C02-93469E4CF12C}" type="slidenum">
+              <a:rPr lang="ko-KR" altLang="en-US" smtClean="0"/>
+              <a:t>16</a:t>
             </a:fld>
             <a:endParaRPr lang="ko-KR" altLang="en-US"/>
           </a:p>
@@ -1047,7 +1132,7 @@
           <a:p>
             <a:fld id="{4CE07806-7499-4086-941E-A6D6BC235354}" type="datetimeFigureOut">
               <a:rPr lang="ko-KR" altLang="en-US" smtClean="0"/>
-              <a:t>2025-11-13</a:t>
+              <a:t>2025-11-23</a:t>
             </a:fld>
             <a:endParaRPr lang="ko-KR" altLang="en-US"/>
           </a:p>
@@ -1245,7 +1330,7 @@
           <a:p>
             <a:fld id="{4CE07806-7499-4086-941E-A6D6BC235354}" type="datetimeFigureOut">
               <a:rPr lang="ko-KR" altLang="en-US" smtClean="0"/>
-              <a:t>2025-11-13</a:t>
+              <a:t>2025-11-23</a:t>
             </a:fld>
             <a:endParaRPr lang="ko-KR" altLang="en-US"/>
           </a:p>
@@ -1453,7 +1538,7 @@
           <a:p>
             <a:fld id="{4CE07806-7499-4086-941E-A6D6BC235354}" type="datetimeFigureOut">
               <a:rPr lang="ko-KR" altLang="en-US" smtClean="0"/>
-              <a:t>2025-11-13</a:t>
+              <a:t>2025-11-23</a:t>
             </a:fld>
             <a:endParaRPr lang="ko-KR" altLang="en-US"/>
           </a:p>
@@ -1651,7 +1736,7 @@
           <a:p>
             <a:fld id="{4CE07806-7499-4086-941E-A6D6BC235354}" type="datetimeFigureOut">
               <a:rPr lang="ko-KR" altLang="en-US" smtClean="0"/>
-              <a:t>2025-11-13</a:t>
+              <a:t>2025-11-23</a:t>
             </a:fld>
             <a:endParaRPr lang="ko-KR" altLang="en-US"/>
           </a:p>
@@ -1926,7 +2011,7 @@
           <a:p>
             <a:fld id="{4CE07806-7499-4086-941E-A6D6BC235354}" type="datetimeFigureOut">
               <a:rPr lang="ko-KR" altLang="en-US" smtClean="0"/>
-              <a:t>2025-11-13</a:t>
+              <a:t>2025-11-23</a:t>
             </a:fld>
             <a:endParaRPr lang="ko-KR" altLang="en-US"/>
           </a:p>
@@ -2191,7 +2276,7 @@
           <a:p>
             <a:fld id="{4CE07806-7499-4086-941E-A6D6BC235354}" type="datetimeFigureOut">
               <a:rPr lang="ko-KR" altLang="en-US" smtClean="0"/>
-              <a:t>2025-11-13</a:t>
+              <a:t>2025-11-23</a:t>
             </a:fld>
             <a:endParaRPr lang="ko-KR" altLang="en-US"/>
           </a:p>
@@ -2603,7 +2688,7 @@
           <a:p>
             <a:fld id="{4CE07806-7499-4086-941E-A6D6BC235354}" type="datetimeFigureOut">
               <a:rPr lang="ko-KR" altLang="en-US" smtClean="0"/>
-              <a:t>2025-11-13</a:t>
+              <a:t>2025-11-23</a:t>
             </a:fld>
             <a:endParaRPr lang="ko-KR" altLang="en-US"/>
           </a:p>
@@ -2744,7 +2829,7 @@
           <a:p>
             <a:fld id="{4CE07806-7499-4086-941E-A6D6BC235354}" type="datetimeFigureOut">
               <a:rPr lang="ko-KR" altLang="en-US" smtClean="0"/>
-              <a:t>2025-11-13</a:t>
+              <a:t>2025-11-23</a:t>
             </a:fld>
             <a:endParaRPr lang="ko-KR" altLang="en-US"/>
           </a:p>
@@ -2857,7 +2942,7 @@
           <a:p>
             <a:fld id="{4CE07806-7499-4086-941E-A6D6BC235354}" type="datetimeFigureOut">
               <a:rPr lang="ko-KR" altLang="en-US" smtClean="0"/>
-              <a:t>2025-11-13</a:t>
+              <a:t>2025-11-23</a:t>
             </a:fld>
             <a:endParaRPr lang="ko-KR" altLang="en-US"/>
           </a:p>
@@ -3168,7 +3253,7 @@
           <a:p>
             <a:fld id="{4CE07806-7499-4086-941E-A6D6BC235354}" type="datetimeFigureOut">
               <a:rPr lang="ko-KR" altLang="en-US" smtClean="0"/>
-              <a:t>2025-11-13</a:t>
+              <a:t>2025-11-23</a:t>
             </a:fld>
             <a:endParaRPr lang="ko-KR" altLang="en-US"/>
           </a:p>
@@ -3456,7 +3541,7 @@
           <a:p>
             <a:fld id="{4CE07806-7499-4086-941E-A6D6BC235354}" type="datetimeFigureOut">
               <a:rPr lang="ko-KR" altLang="en-US" smtClean="0"/>
-              <a:t>2025-11-13</a:t>
+              <a:t>2025-11-23</a:t>
             </a:fld>
             <a:endParaRPr lang="ko-KR" altLang="en-US"/>
           </a:p>
@@ -3703,7 +3788,7 @@
           <a:p>
             <a:fld id="{4CE07806-7499-4086-941E-A6D6BC235354}" type="datetimeFigureOut">
               <a:rPr lang="ko-KR" altLang="en-US" smtClean="0"/>
-              <a:t>2025-11-13</a:t>
+              <a:t>2025-11-23</a:t>
             </a:fld>
             <a:endParaRPr lang="ko-KR" altLang="en-US"/>
           </a:p>
@@ -5139,7 +5224,7 @@
         <p:spPr>
           <a:xfrm>
             <a:off x="564215" y="1502697"/>
-            <a:ext cx="3582911" cy="523220"/>
+            <a:ext cx="4349530" cy="523220"/>
           </a:xfrm>
           <a:prstGeom prst="rect">
             <a:avLst/>
@@ -5158,7 +5243,7 @@
             </a:r>
             <a:r>
               <a:rPr lang="ko-KR" altLang="en-US" sz="2800" b="1"/>
-              <a:t> 파트별 목표 수행</a:t>
+              <a:t> 파트간 협력전략 수립</a:t>
             </a:r>
           </a:p>
         </p:txBody>
@@ -5178,7 +5263,7 @@
         <p:spPr>
           <a:xfrm>
             <a:off x="564215" y="2222826"/>
-            <a:ext cx="10741094" cy="2677656"/>
+            <a:ext cx="10741094" cy="2954655"/>
           </a:xfrm>
           <a:prstGeom prst="rect">
             <a:avLst/>
@@ -5193,7 +5278,7 @@
           <a:p>
             <a:r>
               <a:rPr lang="ko-KR" altLang="en-US"/>
-              <a:t>팀장급 팀원과 파트 팀원은 파트별 목표를 달성하기 위한 스프린트 계획을 수립하고 이를 이행한다</a:t>
+              <a:t>파트간 회의를 파트별 목표를 달성하는 기간 동안 비정기적으로 진행한다</a:t>
             </a:r>
             <a:r>
               <a:rPr lang="en-US" altLang="ko-KR"/>
@@ -5201,16 +5286,9 @@
             </a:r>
           </a:p>
           <a:p>
-            <a:endParaRPr lang="en-US" altLang="ko-KR"/>
-          </a:p>
-          <a:p>
-            <a:r>
-              <a:rPr lang="ko-KR" altLang="en-US" sz="2000" b="1"/>
-              <a:t>팀장급 팀원</a:t>
-            </a:r>
             <a:r>
               <a:rPr lang="ko-KR" altLang="en-US"/>
-              <a:t>은 파트 팀원들의 전체적인 작업 수행을 조율하고 목표를 달성하기 적합한 업무 배분과 타 파트와의 소통을 전담한다</a:t>
+              <a:t>파트간 회의는 소목표와 파트별 목표를 원활히 처리하기 위해서 교류 및 의견 합치 필요 내용을 협의한다</a:t>
             </a:r>
             <a:r>
               <a:rPr lang="en-US" altLang="ko-KR"/>
@@ -5223,11 +5301,19 @@
           <a:p>
             <a:r>
               <a:rPr lang="ko-KR" altLang="en-US" sz="2000" b="1"/>
-              <a:t>파트 팀원</a:t>
+              <a:t>팀장급 인원</a:t>
             </a:r>
             <a:r>
               <a:rPr lang="ko-KR" altLang="en-US"/>
-              <a:t>은 팀장급 팀원의 지시를 이행하며 본인에게 하달된 작업을 수행한다</a:t>
+              <a:t>은 각 파트 인원의 일정을 취합하여 타 파트와 회의 일정을 결정한다</a:t>
+            </a:r>
+            <a:r>
+              <a:rPr lang="en-US" altLang="ko-KR"/>
+              <a:t>. </a:t>
+            </a:r>
+            <a:r>
+              <a:rPr lang="ko-KR" altLang="en-US"/>
+              <a:t>결정된 일정에 대해 총 책임자에게 전달한다</a:t>
             </a:r>
             <a:r>
               <a:rPr lang="en-US" altLang="ko-KR"/>
@@ -5240,23 +5326,32 @@
           <a:p>
             <a:r>
               <a:rPr lang="ko-KR" altLang="en-US" sz="2000" b="1"/>
+              <a:t>파트 팀원</a:t>
+            </a:r>
+            <a:r>
+              <a:rPr lang="ko-KR" altLang="en-US"/>
+              <a:t>은 회의에 참여하여 안건에 대한 개인 의견을 전달하고 파트별 목표 세부 조정에 관여한다</a:t>
+            </a:r>
+            <a:r>
+              <a:rPr lang="en-US" altLang="ko-KR"/>
+              <a:t>.</a:t>
+            </a:r>
+          </a:p>
+          <a:p>
+            <a:endParaRPr lang="en-US" altLang="ko-KR"/>
+          </a:p>
+          <a:p>
+            <a:r>
+              <a:rPr lang="ko-KR" altLang="en-US" sz="2000" b="1"/>
               <a:t>총 책임자</a:t>
             </a:r>
             <a:r>
               <a:rPr lang="ko-KR" altLang="en-US"/>
-              <a:t>는 스프린트 일정이 장기화될 경우 중간 회의에 참여하여 경과를 확인하고</a:t>
+              <a:t>는 가능한대로 파트간 회의에 참석하여 세부 의견을 확인하고 주 방향성을 제시한다</a:t>
             </a:r>
             <a:r>
               <a:rPr lang="en-US" altLang="ko-KR"/>
-              <a:t>, </a:t>
-            </a:r>
-            <a:r>
-              <a:rPr lang="ko-KR" altLang="en-US"/>
-              <a:t>수정사항을 지시한다</a:t>
-            </a:r>
-            <a:r>
-              <a:rPr lang="en-US" altLang="ko-KR"/>
-              <a:t>. </a:t>
+              <a:t>.</a:t>
             </a:r>
           </a:p>
         </p:txBody>
@@ -5264,7 +5359,7 @@
     </p:spTree>
     <p:extLst>
       <p:ext uri="{BB962C8B-B14F-4D97-AF65-F5344CB8AC3E}">
-        <p14:creationId xmlns:p14="http://schemas.microsoft.com/office/powerpoint/2010/main" val="1775865006"/>
+        <p14:creationId xmlns:p14="http://schemas.microsoft.com/office/powerpoint/2010/main" val="2863309779"/>
       </p:ext>
     </p:extLst>
   </p:cSld>
@@ -5393,7 +5488,7 @@
             </a:r>
             <a:r>
               <a:rPr lang="ko-KR" altLang="en-US" sz="2800" b="1"/>
-              <a:t> 완료 목표 보고</a:t>
+              <a:t> 파트별 목표 수행</a:t>
             </a:r>
           </a:p>
         </p:txBody>
@@ -5413,7 +5508,7 @@
         <p:spPr>
           <a:xfrm>
             <a:off x="564215" y="2222826"/>
-            <a:ext cx="10741094" cy="2031325"/>
+            <a:ext cx="10741094" cy="2677656"/>
           </a:xfrm>
           <a:prstGeom prst="rect">
             <a:avLst/>
@@ -5428,7 +5523,7 @@
           <a:p>
             <a:r>
               <a:rPr lang="ko-KR" altLang="en-US"/>
-              <a:t>팀장급 팀원과 파트 팀원은 파트별 목표를 달성 후 총 책임자에게 작업 결과를 제출한다</a:t>
+              <a:t>팀장급 팀원과 파트 팀원은 파트별 목표를 달성하기 위한 스프린트 계획을 수립하고 이를 이행한다</a:t>
             </a:r>
             <a:r>
               <a:rPr lang="en-US" altLang="ko-KR"/>
@@ -5440,8 +5535,46 @@
           </a:p>
           <a:p>
             <a:r>
+              <a:rPr lang="ko-KR" altLang="en-US" sz="2000" b="1"/>
+              <a:t>팀장급 팀원</a:t>
+            </a:r>
+            <a:r>
               <a:rPr lang="ko-KR" altLang="en-US"/>
-              <a:t>총 책임자는 파트의 작업물이 세부 목표 달성에 부합하는지</a:t>
+              <a:t>은 파트 팀원들의 전체적인 작업 수행을 조율하고 목표를 달성하기 적합한 업무 배분과 타 파트와의 소통을 전담한다</a:t>
+            </a:r>
+            <a:r>
+              <a:rPr lang="en-US" altLang="ko-KR"/>
+              <a:t>.</a:t>
+            </a:r>
+          </a:p>
+          <a:p>
+            <a:endParaRPr lang="en-US" altLang="ko-KR"/>
+          </a:p>
+          <a:p>
+            <a:r>
+              <a:rPr lang="ko-KR" altLang="en-US" sz="2000" b="1"/>
+              <a:t>파트 팀원</a:t>
+            </a:r>
+            <a:r>
+              <a:rPr lang="ko-KR" altLang="en-US"/>
+              <a:t>은 팀장급 팀원의 지시를 이행하며 본인에게 하달된 작업을 수행한다</a:t>
+            </a:r>
+            <a:r>
+              <a:rPr lang="en-US" altLang="ko-KR"/>
+              <a:t>.</a:t>
+            </a:r>
+          </a:p>
+          <a:p>
+            <a:endParaRPr lang="en-US" altLang="ko-KR"/>
+          </a:p>
+          <a:p>
+            <a:r>
+              <a:rPr lang="ko-KR" altLang="en-US" sz="2000" b="1"/>
+              <a:t>총 책임자</a:t>
+            </a:r>
+            <a:r>
+              <a:rPr lang="ko-KR" altLang="en-US"/>
+              <a:t>는 스프린트 일정이 장기화될 경우 중간 회의에 참여하여 경과를 확인하고</a:t>
             </a:r>
             <a:r>
               <a:rPr lang="en-US" altLang="ko-KR"/>
@@ -5449,50 +5582,11 @@
             </a:r>
             <a:r>
               <a:rPr lang="ko-KR" altLang="en-US"/>
-              <a:t>보충할 내용이 있는지</a:t>
+              <a:t>수정사항을 지시한다</a:t>
             </a:r>
             <a:r>
               <a:rPr lang="en-US" altLang="ko-KR"/>
-              <a:t>, </a:t>
-            </a:r>
-            <a:r>
-              <a:rPr lang="ko-KR" altLang="en-US"/>
-              <a:t>협의할 내용이 있는지 확인한다</a:t>
-            </a:r>
-            <a:r>
-              <a:rPr lang="en-US" altLang="ko-KR"/>
-              <a:t>.</a:t>
-            </a:r>
-          </a:p>
-          <a:p>
-            <a:endParaRPr lang="en-US" altLang="ko-KR"/>
-          </a:p>
-          <a:p>
-            <a:r>
-              <a:rPr lang="ko-KR" altLang="en-US"/>
-              <a:t>모든 파트의 작업물의 문제가 없다면 작업물을 합쳐 세부 목표를 달성한다</a:t>
-            </a:r>
-            <a:r>
-              <a:rPr lang="en-US" altLang="ko-KR"/>
-              <a:t>.</a:t>
-            </a:r>
-          </a:p>
-          <a:p>
-            <a:r>
-              <a:rPr lang="ko-KR" altLang="en-US"/>
-              <a:t>세부 목표를 달성하면</a:t>
-            </a:r>
-            <a:r>
-              <a:rPr lang="en-US" altLang="ko-KR"/>
-              <a:t>, </a:t>
-            </a:r>
-            <a:r>
-              <a:rPr lang="ko-KR" altLang="en-US"/>
-              <a:t>달성된 세부 목표들을 합쳐 핵심 목표를 달성한다</a:t>
-            </a:r>
-            <a:r>
-              <a:rPr lang="en-US" altLang="ko-KR"/>
-              <a:t>.</a:t>
+              <a:t>. </a:t>
             </a:r>
           </a:p>
         </p:txBody>
@@ -5500,7 +5594,7 @@
     </p:spTree>
     <p:extLst>
       <p:ext uri="{BB962C8B-B14F-4D97-AF65-F5344CB8AC3E}">
-        <p14:creationId xmlns:p14="http://schemas.microsoft.com/office/powerpoint/2010/main" val="3381446135"/>
+        <p14:creationId xmlns:p14="http://schemas.microsoft.com/office/powerpoint/2010/main" val="1775865006"/>
       </p:ext>
     </p:extLst>
   </p:cSld>
@@ -5541,6 +5635,242 @@
         </p:nvSpPr>
         <p:spPr>
           <a:xfrm>
+            <a:off x="1745672" y="136236"/>
+            <a:ext cx="8700655" cy="1015663"/>
+          </a:xfrm>
+          <a:prstGeom prst="rect">
+            <a:avLst/>
+          </a:prstGeom>
+          <a:noFill/>
+        </p:spPr>
+        <p:txBody>
+          <a:bodyPr wrap="square" rtlCol="0">
+            <a:spAutoFit/>
+          </a:bodyPr>
+          <a:lstStyle/>
+          <a:p>
+            <a:pPr algn="ctr"/>
+            <a:r>
+              <a:rPr lang="ko-KR" altLang="en-US" sz="6000" b="1"/>
+              <a:t>협업 체계 구축</a:t>
+            </a:r>
+          </a:p>
+        </p:txBody>
+      </p:sp>
+      <p:sp>
+        <p:nvSpPr>
+          <p:cNvPr id="2" name="TextBox 1">
+            <a:extLst>
+              <a:ext uri="{FF2B5EF4-FFF2-40B4-BE49-F238E27FC236}">
+                <a16:creationId xmlns:a16="http://schemas.microsoft.com/office/drawing/2014/main" id="{CC457CE1-2932-CB54-7B45-66276CEA29C3}"/>
+              </a:ext>
+            </a:extLst>
+          </p:cNvPr>
+          <p:cNvSpPr txBox="1"/>
+          <p:nvPr/>
+        </p:nvSpPr>
+        <p:spPr>
+          <a:xfrm>
+            <a:off x="304800" y="3083867"/>
+            <a:ext cx="3305173" cy="276999"/>
+          </a:xfrm>
+          <a:prstGeom prst="rect">
+            <a:avLst/>
+          </a:prstGeom>
+          <a:noFill/>
+        </p:spPr>
+        <p:txBody>
+          <a:bodyPr wrap="square" rtlCol="0">
+            <a:spAutoFit/>
+          </a:bodyPr>
+          <a:lstStyle/>
+          <a:p>
+            <a:endParaRPr lang="ko-KR" altLang="en-US" sz="1200"/>
+          </a:p>
+        </p:txBody>
+      </p:sp>
+      <p:sp>
+        <p:nvSpPr>
+          <p:cNvPr id="75" name="TextBox 74">
+            <a:extLst>
+              <a:ext uri="{FF2B5EF4-FFF2-40B4-BE49-F238E27FC236}">
+                <a16:creationId xmlns:a16="http://schemas.microsoft.com/office/drawing/2014/main" id="{C380D04A-3E86-F337-59FA-13463767DF01}"/>
+              </a:ext>
+            </a:extLst>
+          </p:cNvPr>
+          <p:cNvSpPr txBox="1"/>
+          <p:nvPr/>
+        </p:nvSpPr>
+        <p:spPr>
+          <a:xfrm>
+            <a:off x="564215" y="1502697"/>
+            <a:ext cx="3582911" cy="523220"/>
+          </a:xfrm>
+          <a:prstGeom prst="rect">
+            <a:avLst/>
+          </a:prstGeom>
+          <a:noFill/>
+        </p:spPr>
+        <p:txBody>
+          <a:bodyPr wrap="square" rtlCol="0">
+            <a:spAutoFit/>
+          </a:bodyPr>
+          <a:lstStyle/>
+          <a:p>
+            <a:r>
+              <a:rPr lang="en-US" altLang="ko-KR" sz="2800" b="1"/>
+              <a:t>6.</a:t>
+            </a:r>
+            <a:r>
+              <a:rPr lang="ko-KR" altLang="en-US" sz="2800" b="1"/>
+              <a:t> 완료 목표 보고</a:t>
+            </a:r>
+          </a:p>
+        </p:txBody>
+      </p:sp>
+      <p:sp>
+        <p:nvSpPr>
+          <p:cNvPr id="5" name="TextBox 4">
+            <a:extLst>
+              <a:ext uri="{FF2B5EF4-FFF2-40B4-BE49-F238E27FC236}">
+                <a16:creationId xmlns:a16="http://schemas.microsoft.com/office/drawing/2014/main" id="{3205397E-1965-E53F-CDBA-D2F657885448}"/>
+              </a:ext>
+            </a:extLst>
+          </p:cNvPr>
+          <p:cNvSpPr txBox="1"/>
+          <p:nvPr/>
+        </p:nvSpPr>
+        <p:spPr>
+          <a:xfrm>
+            <a:off x="564215" y="2222826"/>
+            <a:ext cx="10741094" cy="2031325"/>
+          </a:xfrm>
+          <a:prstGeom prst="rect">
+            <a:avLst/>
+          </a:prstGeom>
+          <a:noFill/>
+        </p:spPr>
+        <p:txBody>
+          <a:bodyPr wrap="square" rtlCol="0">
+            <a:spAutoFit/>
+          </a:bodyPr>
+          <a:lstStyle/>
+          <a:p>
+            <a:r>
+              <a:rPr lang="ko-KR" altLang="en-US"/>
+              <a:t>팀장급 팀원과 파트 팀원은 파트별 목표를 달성 후 총 책임자에게 작업 결과를 제출한다</a:t>
+            </a:r>
+            <a:r>
+              <a:rPr lang="en-US" altLang="ko-KR"/>
+              <a:t>.</a:t>
+            </a:r>
+          </a:p>
+          <a:p>
+            <a:endParaRPr lang="en-US" altLang="ko-KR"/>
+          </a:p>
+          <a:p>
+            <a:r>
+              <a:rPr lang="ko-KR" altLang="en-US"/>
+              <a:t>총 책임자는 파트의 작업물이 세부 목표 달성에 부합하는지</a:t>
+            </a:r>
+            <a:r>
+              <a:rPr lang="en-US" altLang="ko-KR"/>
+              <a:t>, </a:t>
+            </a:r>
+            <a:r>
+              <a:rPr lang="ko-KR" altLang="en-US"/>
+              <a:t>보충할 내용이 있는지</a:t>
+            </a:r>
+            <a:r>
+              <a:rPr lang="en-US" altLang="ko-KR"/>
+              <a:t>, </a:t>
+            </a:r>
+            <a:r>
+              <a:rPr lang="ko-KR" altLang="en-US"/>
+              <a:t>협의할 내용이 있는지 확인한다</a:t>
+            </a:r>
+            <a:r>
+              <a:rPr lang="en-US" altLang="ko-KR"/>
+              <a:t>.</a:t>
+            </a:r>
+          </a:p>
+          <a:p>
+            <a:endParaRPr lang="en-US" altLang="ko-KR"/>
+          </a:p>
+          <a:p>
+            <a:r>
+              <a:rPr lang="ko-KR" altLang="en-US"/>
+              <a:t>모든 파트의 작업물의 문제가 없다면 작업물을 합쳐 세부 목표를 달성한다</a:t>
+            </a:r>
+            <a:r>
+              <a:rPr lang="en-US" altLang="ko-KR"/>
+              <a:t>.</a:t>
+            </a:r>
+          </a:p>
+          <a:p>
+            <a:r>
+              <a:rPr lang="ko-KR" altLang="en-US"/>
+              <a:t>세부 목표를 달성하면</a:t>
+            </a:r>
+            <a:r>
+              <a:rPr lang="en-US" altLang="ko-KR"/>
+              <a:t>, </a:t>
+            </a:r>
+            <a:r>
+              <a:rPr lang="ko-KR" altLang="en-US"/>
+              <a:t>달성된 세부 목표들을 합쳐 핵심 목표를 달성한다</a:t>
+            </a:r>
+            <a:r>
+              <a:rPr lang="en-US" altLang="ko-KR"/>
+              <a:t>.</a:t>
+            </a:r>
+          </a:p>
+        </p:txBody>
+      </p:sp>
+    </p:spTree>
+    <p:extLst>
+      <p:ext uri="{BB962C8B-B14F-4D97-AF65-F5344CB8AC3E}">
+        <p14:creationId xmlns:p14="http://schemas.microsoft.com/office/powerpoint/2010/main" val="3381446135"/>
+      </p:ext>
+    </p:extLst>
+  </p:cSld>
+  <p:clrMapOvr>
+    <a:masterClrMapping/>
+  </p:clrMapOvr>
+</p:sld>
+</file>
+
+<file path=ppt/slides/slide17.xml><?xml version="1.0" encoding="utf-8"?>
+<p:sld xmlns:a="http://schemas.openxmlformats.org/drawingml/2006/main" xmlns:r="http://schemas.openxmlformats.org/officeDocument/2006/relationships" xmlns:p="http://schemas.openxmlformats.org/presentationml/2006/main">
+  <p:cSld>
+    <p:spTree>
+      <p:nvGrpSpPr>
+        <p:cNvPr id="1" name=""/>
+        <p:cNvGrpSpPr/>
+        <p:nvPr/>
+      </p:nvGrpSpPr>
+      <p:grpSpPr>
+        <a:xfrm>
+          <a:off x="0" y="0"/>
+          <a:ext cx="0" cy="0"/>
+          <a:chOff x="0" y="0"/>
+          <a:chExt cx="0" cy="0"/>
+        </a:xfrm>
+      </p:grpSpPr>
+      <p:sp>
+        <p:nvSpPr>
+          <p:cNvPr id="4" name="TextBox 3">
+            <a:extLst>
+              <a:ext uri="{FF2B5EF4-FFF2-40B4-BE49-F238E27FC236}">
+                <a16:creationId xmlns:a16="http://schemas.microsoft.com/office/drawing/2014/main" id="{5B98DE38-530B-3DDC-7716-498E40B40138}"/>
+              </a:ext>
+            </a:extLst>
+          </p:cNvPr>
+          <p:cNvSpPr txBox="1"/>
+          <p:nvPr/>
+        </p:nvSpPr>
+        <p:spPr>
+          <a:xfrm>
             <a:off x="1745672" y="2583876"/>
             <a:ext cx="8700655" cy="1015663"/>
           </a:xfrm>
@@ -5576,7 +5906,7 @@
 </p:sld>
 </file>
 
-<file path=ppt/slides/slide17.xml><?xml version="1.0" encoding="utf-8"?>
+<file path=ppt/slides/slide18.xml><?xml version="1.0" encoding="utf-8"?>
 <p:sld xmlns:a="http://schemas.openxmlformats.org/drawingml/2006/main" xmlns:r="http://schemas.openxmlformats.org/officeDocument/2006/relationships" xmlns:p="http://schemas.openxmlformats.org/presentationml/2006/main">
   <p:cSld>
     <p:spTree>
